--- a/presentation/ADS_ApresentaçãoFinal.pptx
+++ b/presentation/ADS_ApresentaçãoFinal.pptx
@@ -9508,29 +9508,32 @@
           </a:p>
           <a:p>
             <a:r>
-              <a:rPr lang="pt-BR"/>
+              <a:rPr lang="pt-BR" dirty="0"/>
               <a:t>Grupo:</a:t>
             </a:r>
           </a:p>
           <a:p>
             <a:r>
               <a:rPr lang="pt-BR"/>
-              <a:t>Viniciua Fortino</a:t>
+              <a:t>Vinicius </a:t>
             </a:r>
-          </a:p>
-          <a:p>
             <a:r>
-              <a:rPr lang="pt-BR"/>
+              <a:rPr lang="pt-BR" dirty="0" err="1"/>
+              <a:t>Fortino</a:t>
+            </a:r>
+            <a:endParaRPr lang="pt-BR" dirty="0"/>
+          </a:p>
+          <a:p>
+            <a:r>
+              <a:rPr lang="pt-BR" dirty="0"/>
               <a:t>Raquel Lins</a:t>
             </a:r>
-            <a:endParaRPr lang="pt-BR" dirty="0"/>
           </a:p>
           <a:p>
             <a:r>
-              <a:rPr lang="pt-BR"/>
+              <a:rPr lang="pt-BR" dirty="0"/>
               <a:t>26/06/2022 </a:t>
             </a:r>
-            <a:endParaRPr lang="pt-BR" dirty="0"/>
           </a:p>
           <a:p>
             <a:endParaRPr lang="pt-BR" dirty="0"/>
@@ -21112,15 +21115,6 @@
 </file>
 
 <file path=customXml/item2.xml><?xml version="1.0" encoding="utf-8"?>
-<?mso-contentType ?>
-<FormTemplates xmlns="http://schemas.microsoft.com/sharepoint/v3/contenttype/forms">
-  <Display>DocumentLibraryForm</Display>
-  <Edit>DocumentLibraryForm</Edit>
-  <New>DocumentLibraryForm</New>
-</FormTemplates>
-</file>
-
-<file path=customXml/item3.xml><?xml version="1.0" encoding="utf-8"?>
 <p:properties xmlns:p="http://schemas.microsoft.com/office/2006/metadata/properties" xmlns:xsi="http://www.w3.org/2001/XMLSchema-instance" xmlns:pc="http://schemas.microsoft.com/office/infopath/2007/PartnerControls">
   <documentManagement>
     <lcf76f155ced4ddcb4097134ff3c332f xmlns="2849188a-aac6-4184-8103-630eed0f08a4">
@@ -21129,6 +21123,15 @@
     <TaxCatchAll xmlns="585d4ce3-0b78-4260-a37a-67bff6d4dc58" xsi:nil="true"/>
   </documentManagement>
 </p:properties>
+</file>
+
+<file path=customXml/item3.xml><?xml version="1.0" encoding="utf-8"?>
+<?mso-contentType ?>
+<FormTemplates xmlns="http://schemas.microsoft.com/sharepoint/v3/contenttype/forms">
+  <Display>DocumentLibraryForm</Display>
+  <Edit>DocumentLibraryForm</Edit>
+  <New>DocumentLibraryForm</New>
+</FormTemplates>
 </file>
 
 <file path=customXml/itemProps1.xml><?xml version="1.0" encoding="utf-8"?>
@@ -21152,14 +21155,6 @@
 </file>
 
 <file path=customXml/itemProps2.xml><?xml version="1.0" encoding="utf-8"?>
-<ds:datastoreItem xmlns:ds="http://schemas.openxmlformats.org/officeDocument/2006/customXml" ds:itemID="{310E63F3-6E59-43FA-ABED-DEF33146EFEE}">
-  <ds:schemaRefs>
-    <ds:schemaRef ds:uri="http://schemas.microsoft.com/sharepoint/v3/contenttype/forms"/>
-  </ds:schemaRefs>
-</ds:datastoreItem>
-</file>
-
-<file path=customXml/itemProps3.xml><?xml version="1.0" encoding="utf-8"?>
 <ds:datastoreItem xmlns:ds="http://schemas.openxmlformats.org/officeDocument/2006/customXml" ds:itemID="{C0CF2651-2C0A-4D5F-8141-1D54A1CFFE17}">
   <ds:schemaRefs>
     <ds:schemaRef ds:uri="http://schemas.microsoft.com/office/2006/metadata/properties"/>
@@ -21170,4 +21165,12 @@
     <ds:schemaRef ds:uri="http://www.w3.org/2001/XMLSchema-instance"/>
   </ds:schemaRefs>
 </ds:datastoreItem>
+</file>
+
+<file path=customXml/itemProps3.xml><?xml version="1.0" encoding="utf-8"?>
+<ds:datastoreItem xmlns:ds="http://schemas.openxmlformats.org/officeDocument/2006/customXml" ds:itemID="{310E63F3-6E59-43FA-ABED-DEF33146EFEE}">
+  <ds:schemaRefs>
+    <ds:schemaRef ds:uri="http://schemas.microsoft.com/sharepoint/v3/contenttype/forms"/>
+  </ds:schemaRefs>
+</ds:datastoreItem>
 </file>